--- a/slides/slide2.pptx
+++ b/slides/slide2.pptx
@@ -6,8 +6,13 @@
   </p:sldMasterIdLst>
   <p:sldIdLst>
     <p:sldId id="256" r:id="rId2"/>
-    <p:sldId id="257" r:id="rId3"/>
-    <p:sldId id="258" r:id="rId4"/>
+    <p:sldId id="258" r:id="rId3"/>
+    <p:sldId id="262" r:id="rId4"/>
+    <p:sldId id="257" r:id="rId5"/>
+    <p:sldId id="259" r:id="rId6"/>
+    <p:sldId id="260" r:id="rId7"/>
+    <p:sldId id="261" r:id="rId8"/>
+    <p:sldId id="263" r:id="rId9"/>
   </p:sldIdLst>
   <p:sldSz cx="12192000" cy="6858000"/>
   <p:notesSz cx="6858000" cy="9144000"/>
@@ -3515,131 +3520,6 @@
 <file path=ppt/slides/slide2.xml><?xml version="1.0" encoding="utf-8"?>
 <p:sld xmlns:a="http://schemas.openxmlformats.org/drawingml/2006/main" xmlns:r="http://schemas.openxmlformats.org/officeDocument/2006/relationships" xmlns:p="http://schemas.openxmlformats.org/presentationml/2006/main">
   <p:cSld>
-    <p:bg>
-      <p:bgPr>
-        <a:solidFill>
-          <a:schemeClr val="bg1"/>
-        </a:solidFill>
-        <a:effectLst/>
-      </p:bgPr>
-    </p:bg>
-    <p:spTree>
-      <p:nvGrpSpPr>
-        <p:cNvPr id="1" name=""/>
-        <p:cNvGrpSpPr/>
-        <p:nvPr/>
-      </p:nvGrpSpPr>
-      <p:grpSpPr>
-        <a:xfrm>
-          <a:off x="0" y="0"/>
-          <a:ext cx="0" cy="0"/>
-          <a:chOff x="0" y="0"/>
-          <a:chExt cx="0" cy="0"/>
-        </a:xfrm>
-      </p:grpSpPr>
-      <p:pic>
-        <p:nvPicPr>
-          <p:cNvPr id="9" name="Grafik 8" descr="Ein Bild, das Person, Wand, Mann, Schlips enthält.&#10;&#10;Automatisch generierte Beschreibung">
-            <a:extLst>
-              <a:ext uri="{FF2B5EF4-FFF2-40B4-BE49-F238E27FC236}">
-                <a16:creationId xmlns:a16="http://schemas.microsoft.com/office/drawing/2014/main" id="{873289EC-11F5-C34D-9A21-1E1B5C071827}"/>
-              </a:ext>
-            </a:extLst>
-          </p:cNvPr>
-          <p:cNvPicPr>
-            <a:picLocks noChangeAspect="1"/>
-          </p:cNvPicPr>
-          <p:nvPr/>
-        </p:nvPicPr>
-        <p:blipFill rotWithShape="1">
-          <a:blip r:embed="rId2"/>
-          <a:srcRect l="54739" r="16240" b="1"/>
-          <a:stretch/>
-        </p:blipFill>
-        <p:spPr>
-          <a:xfrm>
-            <a:off x="321733" y="321732"/>
-            <a:ext cx="3777025" cy="6214533"/>
-          </a:xfrm>
-          <a:prstGeom prst="rect">
-            <a:avLst/>
-          </a:prstGeom>
-        </p:spPr>
-      </p:pic>
-      <p:pic>
-        <p:nvPicPr>
-          <p:cNvPr id="7" name="Grafik 6" descr="Ein Bild, das Person, Mann, Anzug, stehend enthält.&#10;&#10;Automatisch generierte Beschreibung">
-            <a:extLst>
-              <a:ext uri="{FF2B5EF4-FFF2-40B4-BE49-F238E27FC236}">
-                <a16:creationId xmlns:a16="http://schemas.microsoft.com/office/drawing/2014/main" id="{E686AF8F-977C-FB42-93C7-799CF3CFE235}"/>
-              </a:ext>
-            </a:extLst>
-          </p:cNvPr>
-          <p:cNvPicPr>
-            <a:picLocks noChangeAspect="1"/>
-          </p:cNvPicPr>
-          <p:nvPr/>
-        </p:nvPicPr>
-        <p:blipFill rotWithShape="1">
-          <a:blip r:embed="rId3"/>
-          <a:srcRect l="56813" r="13814" b="1"/>
-          <a:stretch/>
-        </p:blipFill>
-        <p:spPr>
-          <a:xfrm>
-            <a:off x="4184538" y="321732"/>
-            <a:ext cx="3822924" cy="6214533"/>
-          </a:xfrm>
-          <a:prstGeom prst="rect">
-            <a:avLst/>
-          </a:prstGeom>
-        </p:spPr>
-      </p:pic>
-      <p:pic>
-        <p:nvPicPr>
-          <p:cNvPr id="5" name="Grafik 4" descr="Ein Bild, das Mann, Person, Anzug, Schlips enthält.&#10;&#10;Automatisch generierte Beschreibung">
-            <a:extLst>
-              <a:ext uri="{FF2B5EF4-FFF2-40B4-BE49-F238E27FC236}">
-                <a16:creationId xmlns:a16="http://schemas.microsoft.com/office/drawing/2014/main" id="{8BA86C45-E2CB-DC4F-A940-3146F6C6DBBB}"/>
-              </a:ext>
-            </a:extLst>
-          </p:cNvPr>
-          <p:cNvPicPr>
-            <a:picLocks noChangeAspect="1"/>
-          </p:cNvPicPr>
-          <p:nvPr/>
-        </p:nvPicPr>
-        <p:blipFill rotWithShape="1">
-          <a:blip r:embed="rId4"/>
-          <a:srcRect l="52468" r="18468" b="1"/>
-          <a:stretch/>
-        </p:blipFill>
-        <p:spPr>
-          <a:xfrm>
-            <a:off x="8087672" y="321732"/>
-            <a:ext cx="3782595" cy="6214533"/>
-          </a:xfrm>
-          <a:prstGeom prst="rect">
-            <a:avLst/>
-          </a:prstGeom>
-        </p:spPr>
-      </p:pic>
-    </p:spTree>
-    <p:extLst>
-      <p:ext uri="{BB962C8B-B14F-4D97-AF65-F5344CB8AC3E}">
-        <p14:creationId xmlns:p14="http://schemas.microsoft.com/office/powerpoint/2010/main" val="2858019042"/>
-      </p:ext>
-    </p:extLst>
-  </p:cSld>
-  <p:clrMapOvr>
-    <a:masterClrMapping/>
-  </p:clrMapOvr>
-</p:sld>
-</file>
-
-<file path=ppt/slides/slide3.xml><?xml version="1.0" encoding="utf-8"?>
-<p:sld xmlns:a="http://schemas.openxmlformats.org/drawingml/2006/main" xmlns:r="http://schemas.openxmlformats.org/officeDocument/2006/relationships" xmlns:p="http://schemas.openxmlformats.org/presentationml/2006/main">
-  <p:cSld>
     <p:spTree>
       <p:nvGrpSpPr>
         <p:cNvPr id="1" name=""/>
@@ -4012,6 +3892,1709 @@
     <p:extLst>
       <p:ext uri="{BB962C8B-B14F-4D97-AF65-F5344CB8AC3E}">
         <p14:creationId xmlns:p14="http://schemas.microsoft.com/office/powerpoint/2010/main" val="3274890917"/>
+      </p:ext>
+    </p:extLst>
+  </p:cSld>
+  <p:clrMapOvr>
+    <a:masterClrMapping/>
+  </p:clrMapOvr>
+</p:sld>
+</file>
+
+<file path=ppt/slides/slide3.xml><?xml version="1.0" encoding="utf-8"?>
+<p:sld xmlns:a="http://schemas.openxmlformats.org/drawingml/2006/main" xmlns:r="http://schemas.openxmlformats.org/officeDocument/2006/relationships" xmlns:p="http://schemas.openxmlformats.org/presentationml/2006/main">
+  <p:cSld>
+    <p:spTree>
+      <p:nvGrpSpPr>
+        <p:cNvPr id="1" name=""/>
+        <p:cNvGrpSpPr/>
+        <p:nvPr/>
+      </p:nvGrpSpPr>
+      <p:grpSpPr>
+        <a:xfrm>
+          <a:off x="0" y="0"/>
+          <a:ext cx="0" cy="0"/>
+          <a:chOff x="0" y="0"/>
+          <a:chExt cx="0" cy="0"/>
+        </a:xfrm>
+      </p:grpSpPr>
+      <p:pic>
+        <p:nvPicPr>
+          <p:cNvPr id="6" name="Grafik 5" descr="Ein Bild, das Person, Mann, Anzug, stehend enthält.&#10;&#10;Automatisch generierte Beschreibung">
+            <a:extLst>
+              <a:ext uri="{FF2B5EF4-FFF2-40B4-BE49-F238E27FC236}">
+                <a16:creationId xmlns:a16="http://schemas.microsoft.com/office/drawing/2014/main" id="{343263CE-8433-8244-B34D-177DC142AD8D}"/>
+              </a:ext>
+            </a:extLst>
+          </p:cNvPr>
+          <p:cNvPicPr>
+            <a:picLocks noChangeAspect="1"/>
+          </p:cNvPicPr>
+          <p:nvPr/>
+        </p:nvPicPr>
+        <p:blipFill rotWithShape="1">
+          <a:blip r:embed="rId2">
+            <a:extLst>
+              <a:ext uri="{BEBA8EAE-BF5A-486C-A8C5-ECC9F3942E4B}">
+                <a14:imgProps xmlns:a14="http://schemas.microsoft.com/office/drawing/2010/main">
+                  <a14:imgLayer r:embed="rId3">
+                    <a14:imgEffect>
+                      <a14:saturation sat="300000"/>
+                    </a14:imgEffect>
+                  </a14:imgLayer>
+                </a14:imgProps>
+              </a:ext>
+            </a:extLst>
+          </a:blip>
+          <a:srcRect l="36400" r="-1" b="-1"/>
+          <a:stretch/>
+        </p:blipFill>
+        <p:spPr>
+          <a:xfrm>
+            <a:off x="20" y="10"/>
+            <a:ext cx="9141724" cy="6863475"/>
+          </a:xfrm>
+          <a:custGeom>
+            <a:avLst/>
+            <a:gdLst>
+              <a:gd name="connsiteX0" fmla="*/ 0 w 9141744"/>
+              <a:gd name="connsiteY0" fmla="*/ 0 h 6863485"/>
+              <a:gd name="connsiteX1" fmla="*/ 5963051 w 9141744"/>
+              <a:gd name="connsiteY1" fmla="*/ 0 h 6863485"/>
+              <a:gd name="connsiteX2" fmla="*/ 9141744 w 9141744"/>
+              <a:gd name="connsiteY2" fmla="*/ 6863485 h 6863485"/>
+              <a:gd name="connsiteX3" fmla="*/ 0 w 9141744"/>
+              <a:gd name="connsiteY3" fmla="*/ 6863485 h 6863485"/>
+              <a:gd name="connsiteX4" fmla="*/ 0 w 9141744"/>
+              <a:gd name="connsiteY4" fmla="*/ 0 h 6863485"/>
+            </a:gdLst>
+            <a:ahLst/>
+            <a:cxnLst>
+              <a:cxn ang="0">
+                <a:pos x="connsiteX0" y="connsiteY0"/>
+              </a:cxn>
+              <a:cxn ang="0">
+                <a:pos x="connsiteX1" y="connsiteY1"/>
+              </a:cxn>
+              <a:cxn ang="0">
+                <a:pos x="connsiteX2" y="connsiteY2"/>
+              </a:cxn>
+              <a:cxn ang="0">
+                <a:pos x="connsiteX3" y="connsiteY3"/>
+              </a:cxn>
+              <a:cxn ang="0">
+                <a:pos x="connsiteX4" y="connsiteY4"/>
+              </a:cxn>
+            </a:cxnLst>
+            <a:rect l="l" t="t" r="r" b="b"/>
+            <a:pathLst>
+              <a:path w="9141744" h="6863485">
+                <a:moveTo>
+                  <a:pt x="0" y="0"/>
+                </a:moveTo>
+                <a:lnTo>
+                  <a:pt x="5963051" y="0"/>
+                </a:lnTo>
+                <a:lnTo>
+                  <a:pt x="9141744" y="6863485"/>
+                </a:lnTo>
+                <a:lnTo>
+                  <a:pt x="0" y="6863485"/>
+                </a:lnTo>
+                <a:lnTo>
+                  <a:pt x="0" y="0"/>
+                </a:lnTo>
+                <a:close/>
+              </a:path>
+            </a:pathLst>
+          </a:custGeom>
+        </p:spPr>
+      </p:pic>
+      <p:pic>
+        <p:nvPicPr>
+          <p:cNvPr id="8" name="Grafik 7" descr="Ein Bild, das Person, Wand, Mann, Schlips enthält.&#10;&#10;Automatisch generierte Beschreibung">
+            <a:extLst>
+              <a:ext uri="{FF2B5EF4-FFF2-40B4-BE49-F238E27FC236}">
+                <a16:creationId xmlns:a16="http://schemas.microsoft.com/office/drawing/2014/main" id="{443C4AF1-D1E5-9D4F-B7CF-31DCD84F94BA}"/>
+              </a:ext>
+            </a:extLst>
+          </p:cNvPr>
+          <p:cNvPicPr>
+            <a:picLocks noChangeAspect="1"/>
+          </p:cNvPicPr>
+          <p:nvPr/>
+        </p:nvPicPr>
+        <p:blipFill rotWithShape="1">
+          <a:blip r:embed="rId4">
+            <a:duotone>
+              <a:prstClr val="black"/>
+              <a:schemeClr val="accent6">
+                <a:tint val="45000"/>
+                <a:satMod val="400000"/>
+              </a:schemeClr>
+            </a:duotone>
+          </a:blip>
+          <a:srcRect l="46948" r="8446" b="-1"/>
+          <a:stretch/>
+        </p:blipFill>
+        <p:spPr>
+          <a:xfrm>
+            <a:off x="5790353" y="10"/>
+            <a:ext cx="6401647" cy="6852984"/>
+          </a:xfrm>
+          <a:custGeom>
+            <a:avLst/>
+            <a:gdLst>
+              <a:gd name="connsiteX0" fmla="*/ 354282 w 6401647"/>
+              <a:gd name="connsiteY0" fmla="*/ 0 h 6852994"/>
+              <a:gd name="connsiteX1" fmla="*/ 6401647 w 6401647"/>
+              <a:gd name="connsiteY1" fmla="*/ 0 h 6852994"/>
+              <a:gd name="connsiteX2" fmla="*/ 6401647 w 6401647"/>
+              <a:gd name="connsiteY2" fmla="*/ 6852994 h 6852994"/>
+              <a:gd name="connsiteX3" fmla="*/ 0 w 6401647"/>
+              <a:gd name="connsiteY3" fmla="*/ 6852994 h 6852994"/>
+              <a:gd name="connsiteX4" fmla="*/ 0 w 6401647"/>
+              <a:gd name="connsiteY4" fmla="*/ 6852993 h 6852994"/>
+              <a:gd name="connsiteX5" fmla="*/ 3528116 w 6401647"/>
+              <a:gd name="connsiteY5" fmla="*/ 6852993 h 6852994"/>
+            </a:gdLst>
+            <a:ahLst/>
+            <a:cxnLst>
+              <a:cxn ang="0">
+                <a:pos x="connsiteX0" y="connsiteY0"/>
+              </a:cxn>
+              <a:cxn ang="0">
+                <a:pos x="connsiteX1" y="connsiteY1"/>
+              </a:cxn>
+              <a:cxn ang="0">
+                <a:pos x="connsiteX2" y="connsiteY2"/>
+              </a:cxn>
+              <a:cxn ang="0">
+                <a:pos x="connsiteX3" y="connsiteY3"/>
+              </a:cxn>
+              <a:cxn ang="0">
+                <a:pos x="connsiteX4" y="connsiteY4"/>
+              </a:cxn>
+              <a:cxn ang="0">
+                <a:pos x="connsiteX5" y="connsiteY5"/>
+              </a:cxn>
+            </a:cxnLst>
+            <a:rect l="l" t="t" r="r" b="b"/>
+            <a:pathLst>
+              <a:path w="6401647" h="6852994">
+                <a:moveTo>
+                  <a:pt x="354282" y="0"/>
+                </a:moveTo>
+                <a:lnTo>
+                  <a:pt x="6401647" y="0"/>
+                </a:lnTo>
+                <a:lnTo>
+                  <a:pt x="6401647" y="6852994"/>
+                </a:lnTo>
+                <a:lnTo>
+                  <a:pt x="0" y="6852994"/>
+                </a:lnTo>
+                <a:lnTo>
+                  <a:pt x="0" y="6852993"/>
+                </a:lnTo>
+                <a:lnTo>
+                  <a:pt x="3528116" y="6852993"/>
+                </a:lnTo>
+                <a:close/>
+              </a:path>
+            </a:pathLst>
+          </a:custGeom>
+        </p:spPr>
+      </p:pic>
+      <p:sp>
+        <p:nvSpPr>
+          <p:cNvPr id="4" name="Rechteck 3">
+            <a:extLst>
+              <a:ext uri="{FF2B5EF4-FFF2-40B4-BE49-F238E27FC236}">
+                <a16:creationId xmlns:a16="http://schemas.microsoft.com/office/drawing/2014/main" id="{C96421C6-7842-B64E-8C76-C0BF7341B516}"/>
+              </a:ext>
+            </a:extLst>
+          </p:cNvPr>
+          <p:cNvSpPr/>
+          <p:nvPr/>
+        </p:nvSpPr>
+        <p:spPr>
+          <a:xfrm>
+            <a:off x="7787201" y="3150973"/>
+            <a:ext cx="2709086" cy="1323439"/>
+          </a:xfrm>
+          <a:prstGeom prst="rect">
+            <a:avLst/>
+          </a:prstGeom>
+          <a:noFill/>
+        </p:spPr>
+        <p:txBody>
+          <a:bodyPr wrap="square" lIns="91440" tIns="45720" rIns="91440" bIns="45720">
+            <a:spAutoFit/>
+          </a:bodyPr>
+          <a:lstStyle/>
+          <a:p>
+            <a:pPr algn="ctr"/>
+            <a:r>
+              <a:rPr lang="de-DE" sz="8000" b="1" cap="none" spc="0" dirty="0">
+                <a:ln w="12700" cmpd="sng">
+                  <a:solidFill>
+                    <a:schemeClr val="accent4"/>
+                  </a:solidFill>
+                  <a:prstDash val="solid"/>
+                </a:ln>
+                <a:gradFill>
+                  <a:gsLst>
+                    <a:gs pos="0">
+                      <a:schemeClr val="accent4"/>
+                    </a:gs>
+                    <a:gs pos="4000">
+                      <a:schemeClr val="accent4">
+                        <a:lumMod val="60000"/>
+                        <a:lumOff val="40000"/>
+                      </a:schemeClr>
+                    </a:gs>
+                    <a:gs pos="87000">
+                      <a:schemeClr val="accent4">
+                        <a:lumMod val="20000"/>
+                        <a:lumOff val="80000"/>
+                      </a:schemeClr>
+                    </a:gs>
+                  </a:gsLst>
+                  <a:lin ang="5400000"/>
+                </a:gradFill>
+                <a:effectLst/>
+              </a:rPr>
+              <a:t>Sonja </a:t>
+            </a:r>
+          </a:p>
+        </p:txBody>
+      </p:sp>
+      <p:sp>
+        <p:nvSpPr>
+          <p:cNvPr id="2" name="Rechteck 1">
+            <a:extLst>
+              <a:ext uri="{FF2B5EF4-FFF2-40B4-BE49-F238E27FC236}">
+                <a16:creationId xmlns:a16="http://schemas.microsoft.com/office/drawing/2014/main" id="{23272790-9336-994C-BA1B-C07EF8571641}"/>
+              </a:ext>
+            </a:extLst>
+          </p:cNvPr>
+          <p:cNvSpPr/>
+          <p:nvPr/>
+        </p:nvSpPr>
+        <p:spPr>
+          <a:xfrm>
+            <a:off x="4907887" y="2015864"/>
+            <a:ext cx="2879314" cy="3154710"/>
+          </a:xfrm>
+          <a:prstGeom prst="rect">
+            <a:avLst/>
+          </a:prstGeom>
+          <a:noFill/>
+        </p:spPr>
+        <p:txBody>
+          <a:bodyPr wrap="none" lIns="91440" tIns="45720" rIns="91440" bIns="45720">
+            <a:spAutoFit/>
+            <a:scene3d>
+              <a:camera prst="orthographicFront"/>
+              <a:lightRig rig="soft" dir="t">
+                <a:rot lat="0" lon="0" rev="15600000"/>
+              </a:lightRig>
+            </a:scene3d>
+            <a:sp3d extrusionH="57150" prstMaterial="softEdge">
+              <a:bevelT w="25400" h="38100"/>
+            </a:sp3d>
+          </a:bodyPr>
+          <a:lstStyle/>
+          <a:p>
+            <a:pPr algn="ctr"/>
+            <a:r>
+              <a:rPr lang="de-DE" sz="19900" b="1" cap="none" spc="0" dirty="0">
+                <a:ln/>
+                <a:solidFill>
+                  <a:schemeClr val="accent4"/>
+                </a:solidFill>
+                <a:effectLst/>
+              </a:rPr>
+              <a:t>VS</a:t>
+            </a:r>
+            <a:endParaRPr lang="de-DE" sz="5400" b="1" cap="none" spc="0" dirty="0">
+              <a:ln/>
+              <a:solidFill>
+                <a:schemeClr val="accent4"/>
+              </a:solidFill>
+              <a:effectLst/>
+            </a:endParaRPr>
+          </a:p>
+        </p:txBody>
+      </p:sp>
+      <p:sp>
+        <p:nvSpPr>
+          <p:cNvPr id="7" name="Rechteck 6">
+            <a:extLst>
+              <a:ext uri="{FF2B5EF4-FFF2-40B4-BE49-F238E27FC236}">
+                <a16:creationId xmlns:a16="http://schemas.microsoft.com/office/drawing/2014/main" id="{2D407DA8-4914-7F4D-8586-4FC51EF5A792}"/>
+              </a:ext>
+            </a:extLst>
+          </p:cNvPr>
+          <p:cNvSpPr/>
+          <p:nvPr/>
+        </p:nvSpPr>
+        <p:spPr>
+          <a:xfrm>
+            <a:off x="1260389" y="3150972"/>
+            <a:ext cx="3531540" cy="1323439"/>
+          </a:xfrm>
+          <a:prstGeom prst="rect">
+            <a:avLst/>
+          </a:prstGeom>
+          <a:noFill/>
+        </p:spPr>
+        <p:txBody>
+          <a:bodyPr wrap="square" lIns="91440" tIns="45720" rIns="91440" bIns="45720">
+            <a:spAutoFit/>
+          </a:bodyPr>
+          <a:lstStyle/>
+          <a:p>
+            <a:pPr algn="ctr"/>
+            <a:r>
+              <a:rPr lang="de-DE" sz="8000" b="1" cap="none" spc="0" dirty="0">
+                <a:ln w="12700" cmpd="sng">
+                  <a:solidFill>
+                    <a:schemeClr val="accent4"/>
+                  </a:solidFill>
+                  <a:prstDash val="solid"/>
+                </a:ln>
+                <a:gradFill>
+                  <a:gsLst>
+                    <a:gs pos="0">
+                      <a:schemeClr val="accent4"/>
+                    </a:gs>
+                    <a:gs pos="4000">
+                      <a:schemeClr val="accent4">
+                        <a:lumMod val="60000"/>
+                        <a:lumOff val="40000"/>
+                      </a:schemeClr>
+                    </a:gs>
+                    <a:gs pos="87000">
+                      <a:schemeClr val="accent4">
+                        <a:lumMod val="20000"/>
+                        <a:lumOff val="80000"/>
+                      </a:schemeClr>
+                    </a:gs>
+                  </a:gsLst>
+                  <a:lin ang="5400000"/>
+                </a:gradFill>
+                <a:effectLst/>
+              </a:rPr>
+              <a:t>Thomas </a:t>
+            </a:r>
+          </a:p>
+        </p:txBody>
+      </p:sp>
+    </p:spTree>
+    <p:extLst>
+      <p:ext uri="{BB962C8B-B14F-4D97-AF65-F5344CB8AC3E}">
+        <p14:creationId xmlns:p14="http://schemas.microsoft.com/office/powerpoint/2010/main" val="563717287"/>
+      </p:ext>
+    </p:extLst>
+  </p:cSld>
+  <p:clrMapOvr>
+    <a:masterClrMapping/>
+  </p:clrMapOvr>
+</p:sld>
+</file>
+
+<file path=ppt/slides/slide4.xml><?xml version="1.0" encoding="utf-8"?>
+<p:sld xmlns:a="http://schemas.openxmlformats.org/drawingml/2006/main" xmlns:r="http://schemas.openxmlformats.org/officeDocument/2006/relationships" xmlns:p="http://schemas.openxmlformats.org/presentationml/2006/main">
+  <p:cSld>
+    <p:bg>
+      <p:bgPr>
+        <a:solidFill>
+          <a:schemeClr val="bg1"/>
+        </a:solidFill>
+        <a:effectLst/>
+      </p:bgPr>
+    </p:bg>
+    <p:spTree>
+      <p:nvGrpSpPr>
+        <p:cNvPr id="1" name=""/>
+        <p:cNvGrpSpPr/>
+        <p:nvPr/>
+      </p:nvGrpSpPr>
+      <p:grpSpPr>
+        <a:xfrm>
+          <a:off x="0" y="0"/>
+          <a:ext cx="0" cy="0"/>
+          <a:chOff x="0" y="0"/>
+          <a:chExt cx="0" cy="0"/>
+        </a:xfrm>
+      </p:grpSpPr>
+      <p:pic>
+        <p:nvPicPr>
+          <p:cNvPr id="9" name="Grafik 8" descr="Ein Bild, das Person, Wand, Mann, Schlips enthält.&#10;&#10;Automatisch generierte Beschreibung">
+            <a:extLst>
+              <a:ext uri="{FF2B5EF4-FFF2-40B4-BE49-F238E27FC236}">
+                <a16:creationId xmlns:a16="http://schemas.microsoft.com/office/drawing/2014/main" id="{873289EC-11F5-C34D-9A21-1E1B5C071827}"/>
+              </a:ext>
+            </a:extLst>
+          </p:cNvPr>
+          <p:cNvPicPr>
+            <a:picLocks noChangeAspect="1"/>
+          </p:cNvPicPr>
+          <p:nvPr/>
+        </p:nvPicPr>
+        <p:blipFill rotWithShape="1">
+          <a:blip r:embed="rId2"/>
+          <a:srcRect l="54739" r="16240" b="1"/>
+          <a:stretch/>
+        </p:blipFill>
+        <p:spPr>
+          <a:xfrm>
+            <a:off x="321733" y="321732"/>
+            <a:ext cx="3777025" cy="6214533"/>
+          </a:xfrm>
+          <a:prstGeom prst="rect">
+            <a:avLst/>
+          </a:prstGeom>
+        </p:spPr>
+      </p:pic>
+      <p:pic>
+        <p:nvPicPr>
+          <p:cNvPr id="7" name="Grafik 6" descr="Ein Bild, das Person, Mann, Anzug, stehend enthält.&#10;&#10;Automatisch generierte Beschreibung">
+            <a:extLst>
+              <a:ext uri="{FF2B5EF4-FFF2-40B4-BE49-F238E27FC236}">
+                <a16:creationId xmlns:a16="http://schemas.microsoft.com/office/drawing/2014/main" id="{E686AF8F-977C-FB42-93C7-799CF3CFE235}"/>
+              </a:ext>
+            </a:extLst>
+          </p:cNvPr>
+          <p:cNvPicPr>
+            <a:picLocks noChangeAspect="1"/>
+          </p:cNvPicPr>
+          <p:nvPr/>
+        </p:nvPicPr>
+        <p:blipFill rotWithShape="1">
+          <a:blip r:embed="rId3"/>
+          <a:srcRect l="56813" r="13814" b="1"/>
+          <a:stretch/>
+        </p:blipFill>
+        <p:spPr>
+          <a:xfrm>
+            <a:off x="4184538" y="321732"/>
+            <a:ext cx="3822924" cy="6214533"/>
+          </a:xfrm>
+          <a:prstGeom prst="rect">
+            <a:avLst/>
+          </a:prstGeom>
+        </p:spPr>
+      </p:pic>
+      <p:pic>
+        <p:nvPicPr>
+          <p:cNvPr id="5" name="Grafik 4" descr="Ein Bild, das Mann, Person, Anzug, Schlips enthält.&#10;&#10;Automatisch generierte Beschreibung">
+            <a:extLst>
+              <a:ext uri="{FF2B5EF4-FFF2-40B4-BE49-F238E27FC236}">
+                <a16:creationId xmlns:a16="http://schemas.microsoft.com/office/drawing/2014/main" id="{8BA86C45-E2CB-DC4F-A940-3146F6C6DBBB}"/>
+              </a:ext>
+            </a:extLst>
+          </p:cNvPr>
+          <p:cNvPicPr>
+            <a:picLocks noChangeAspect="1"/>
+          </p:cNvPicPr>
+          <p:nvPr/>
+        </p:nvPicPr>
+        <p:blipFill rotWithShape="1">
+          <a:blip r:embed="rId4"/>
+          <a:srcRect l="52468" r="18468" b="1"/>
+          <a:stretch/>
+        </p:blipFill>
+        <p:spPr>
+          <a:xfrm>
+            <a:off x="8087672" y="321732"/>
+            <a:ext cx="3782595" cy="6214533"/>
+          </a:xfrm>
+          <a:prstGeom prst="rect">
+            <a:avLst/>
+          </a:prstGeom>
+        </p:spPr>
+      </p:pic>
+    </p:spTree>
+    <p:extLst>
+      <p:ext uri="{BB962C8B-B14F-4D97-AF65-F5344CB8AC3E}">
+        <p14:creationId xmlns:p14="http://schemas.microsoft.com/office/powerpoint/2010/main" val="2858019042"/>
+      </p:ext>
+    </p:extLst>
+  </p:cSld>
+  <p:clrMapOvr>
+    <a:masterClrMapping/>
+  </p:clrMapOvr>
+</p:sld>
+</file>
+
+<file path=ppt/slides/slide5.xml><?xml version="1.0" encoding="utf-8"?>
+<p:sld xmlns:a="http://schemas.openxmlformats.org/drawingml/2006/main" xmlns:r="http://schemas.openxmlformats.org/officeDocument/2006/relationships" xmlns:p="http://schemas.openxmlformats.org/presentationml/2006/main">
+  <p:cSld>
+    <p:spTree>
+      <p:nvGrpSpPr>
+        <p:cNvPr id="1" name=""/>
+        <p:cNvGrpSpPr/>
+        <p:nvPr/>
+      </p:nvGrpSpPr>
+      <p:grpSpPr>
+        <a:xfrm>
+          <a:off x="0" y="0"/>
+          <a:ext cx="0" cy="0"/>
+          <a:chOff x="0" y="0"/>
+          <a:chExt cx="0" cy="0"/>
+        </a:xfrm>
+      </p:grpSpPr>
+      <p:pic>
+        <p:nvPicPr>
+          <p:cNvPr id="9" name="Grafik 8" descr="Ein Bild, das Person, Wand, Mann, Schlips enthält.&#10;&#10;Automatisch generierte Beschreibung">
+            <a:extLst>
+              <a:ext uri="{FF2B5EF4-FFF2-40B4-BE49-F238E27FC236}">
+                <a16:creationId xmlns:a16="http://schemas.microsoft.com/office/drawing/2014/main" id="{873289EC-11F5-C34D-9A21-1E1B5C071827}"/>
+              </a:ext>
+            </a:extLst>
+          </p:cNvPr>
+          <p:cNvPicPr>
+            <a:picLocks noChangeAspect="1"/>
+          </p:cNvPicPr>
+          <p:nvPr/>
+        </p:nvPicPr>
+        <p:blipFill rotWithShape="1">
+          <a:blip r:embed="rId2">
+            <a:extLst>
+              <a:ext uri="{BEBA8EAE-BF5A-486C-A8C5-ECC9F3942E4B}">
+                <a14:imgProps xmlns:a14="http://schemas.microsoft.com/office/drawing/2010/main">
+                  <a14:imgLayer r:embed="rId3">
+                    <a14:imgEffect>
+                      <a14:saturation sat="0"/>
+                    </a14:imgEffect>
+                  </a14:imgLayer>
+                </a14:imgProps>
+              </a:ext>
+            </a:extLst>
+          </a:blip>
+          <a:srcRect l="54739" r="16240" b="1"/>
+          <a:stretch/>
+        </p:blipFill>
+        <p:spPr>
+          <a:xfrm>
+            <a:off x="321733" y="321732"/>
+            <a:ext cx="3777025" cy="6214533"/>
+          </a:xfrm>
+          <a:prstGeom prst="rect">
+            <a:avLst/>
+          </a:prstGeom>
+        </p:spPr>
+      </p:pic>
+      <p:pic>
+        <p:nvPicPr>
+          <p:cNvPr id="7" name="Grafik 6" descr="Ein Bild, das Person, Mann, Anzug, stehend enthält.&#10;&#10;Automatisch generierte Beschreibung">
+            <a:extLst>
+              <a:ext uri="{FF2B5EF4-FFF2-40B4-BE49-F238E27FC236}">
+                <a16:creationId xmlns:a16="http://schemas.microsoft.com/office/drawing/2014/main" id="{E686AF8F-977C-FB42-93C7-799CF3CFE235}"/>
+              </a:ext>
+            </a:extLst>
+          </p:cNvPr>
+          <p:cNvPicPr>
+            <a:picLocks noChangeAspect="1"/>
+          </p:cNvPicPr>
+          <p:nvPr/>
+        </p:nvPicPr>
+        <p:blipFill rotWithShape="1">
+          <a:blip r:embed="rId4">
+            <a:extLst>
+              <a:ext uri="{BEBA8EAE-BF5A-486C-A8C5-ECC9F3942E4B}">
+                <a14:imgProps xmlns:a14="http://schemas.microsoft.com/office/drawing/2010/main">
+                  <a14:imgLayer r:embed="rId5">
+                    <a14:imgEffect>
+                      <a14:saturation sat="0"/>
+                    </a14:imgEffect>
+                  </a14:imgLayer>
+                </a14:imgProps>
+              </a:ext>
+            </a:extLst>
+          </a:blip>
+          <a:srcRect l="56813" r="13814" b="1"/>
+          <a:stretch/>
+        </p:blipFill>
+        <p:spPr>
+          <a:xfrm>
+            <a:off x="4184538" y="321732"/>
+            <a:ext cx="3822924" cy="6214533"/>
+          </a:xfrm>
+          <a:prstGeom prst="rect">
+            <a:avLst/>
+          </a:prstGeom>
+        </p:spPr>
+      </p:pic>
+      <p:pic>
+        <p:nvPicPr>
+          <p:cNvPr id="5" name="Grafik 4" descr="Ein Bild, das Mann, Person, Anzug, Schlips enthält.&#10;&#10;Automatisch generierte Beschreibung">
+            <a:extLst>
+              <a:ext uri="{FF2B5EF4-FFF2-40B4-BE49-F238E27FC236}">
+                <a16:creationId xmlns:a16="http://schemas.microsoft.com/office/drawing/2014/main" id="{8BA86C45-E2CB-DC4F-A940-3146F6C6DBBB}"/>
+              </a:ext>
+            </a:extLst>
+          </p:cNvPr>
+          <p:cNvPicPr>
+            <a:picLocks noChangeAspect="1"/>
+          </p:cNvPicPr>
+          <p:nvPr/>
+        </p:nvPicPr>
+        <p:blipFill rotWithShape="1">
+          <a:blip r:embed="rId6">
+            <a:duotone>
+              <a:prstClr val="black"/>
+              <a:schemeClr val="accent2">
+                <a:tint val="45000"/>
+                <a:satMod val="400000"/>
+              </a:schemeClr>
+            </a:duotone>
+          </a:blip>
+          <a:srcRect l="52468" r="18468" b="1"/>
+          <a:stretch/>
+        </p:blipFill>
+        <p:spPr>
+          <a:xfrm>
+            <a:off x="8087672" y="90899"/>
+            <a:ext cx="4006108" cy="6581749"/>
+          </a:xfrm>
+          <a:prstGeom prst="rect">
+            <a:avLst/>
+          </a:prstGeom>
+        </p:spPr>
+      </p:pic>
+      <p:sp>
+        <p:nvSpPr>
+          <p:cNvPr id="2" name="Textfeld 1">
+            <a:extLst>
+              <a:ext uri="{FF2B5EF4-FFF2-40B4-BE49-F238E27FC236}">
+                <a16:creationId xmlns:a16="http://schemas.microsoft.com/office/drawing/2014/main" id="{EEAB5704-EC68-A248-8961-294C17D2ED94}"/>
+              </a:ext>
+            </a:extLst>
+          </p:cNvPr>
+          <p:cNvSpPr txBox="1"/>
+          <p:nvPr/>
+        </p:nvSpPr>
+        <p:spPr>
+          <a:xfrm>
+            <a:off x="10918796" y="161095"/>
+            <a:ext cx="1902942" cy="707886"/>
+          </a:xfrm>
+          <a:prstGeom prst="rect">
+            <a:avLst/>
+          </a:prstGeom>
+          <a:noFill/>
+        </p:spPr>
+        <p:txBody>
+          <a:bodyPr wrap="square" rtlCol="0">
+            <a:spAutoFit/>
+            <a:scene3d>
+              <a:camera prst="orthographicFront"/>
+              <a:lightRig rig="soft" dir="t">
+                <a:rot lat="0" lon="0" rev="15600000"/>
+              </a:lightRig>
+            </a:scene3d>
+            <a:sp3d extrusionH="57150" prstMaterial="softEdge">
+              <a:bevelT w="25400" h="38100"/>
+            </a:sp3d>
+          </a:bodyPr>
+          <a:lstStyle/>
+          <a:p>
+            <a:r>
+              <a:rPr lang="de-DE" sz="4000" b="1" dirty="0">
+                <a:ln/>
+                <a:solidFill>
+                  <a:schemeClr val="accent4"/>
+                </a:solidFill>
+              </a:rPr>
+              <a:t>215</a:t>
+            </a:r>
+            <a:endParaRPr lang="de-DE" b="1" dirty="0">
+              <a:ln/>
+              <a:solidFill>
+                <a:schemeClr val="accent4"/>
+              </a:solidFill>
+            </a:endParaRPr>
+          </a:p>
+        </p:txBody>
+      </p:sp>
+      <p:sp>
+        <p:nvSpPr>
+          <p:cNvPr id="4" name="Rechteck 3">
+            <a:extLst>
+              <a:ext uri="{FF2B5EF4-FFF2-40B4-BE49-F238E27FC236}">
+                <a16:creationId xmlns:a16="http://schemas.microsoft.com/office/drawing/2014/main" id="{E7CC13A5-8D9D-3E48-9FDD-133A6F6677C6}"/>
+              </a:ext>
+            </a:extLst>
+          </p:cNvPr>
+          <p:cNvSpPr/>
+          <p:nvPr/>
+        </p:nvSpPr>
+        <p:spPr>
+          <a:xfrm>
+            <a:off x="7496455" y="345761"/>
+            <a:ext cx="367408" cy="523220"/>
+          </a:xfrm>
+          <a:prstGeom prst="rect">
+            <a:avLst/>
+          </a:prstGeom>
+        </p:spPr>
+        <p:txBody>
+          <a:bodyPr wrap="none">
+            <a:spAutoFit/>
+          </a:bodyPr>
+          <a:lstStyle/>
+          <a:p>
+            <a:r>
+              <a:rPr lang="de-DE" sz="2800" b="1" dirty="0">
+                <a:ln/>
+              </a:rPr>
+              <a:t>0</a:t>
+            </a:r>
+          </a:p>
+        </p:txBody>
+      </p:sp>
+      <p:sp>
+        <p:nvSpPr>
+          <p:cNvPr id="8" name="Rechteck 7">
+            <a:extLst>
+              <a:ext uri="{FF2B5EF4-FFF2-40B4-BE49-F238E27FC236}">
+                <a16:creationId xmlns:a16="http://schemas.microsoft.com/office/drawing/2014/main" id="{F3E5C07E-A849-334F-9190-43C511FA7032}"/>
+              </a:ext>
+            </a:extLst>
+          </p:cNvPr>
+          <p:cNvSpPr/>
+          <p:nvPr/>
+        </p:nvSpPr>
+        <p:spPr>
+          <a:xfrm>
+            <a:off x="3587751" y="345761"/>
+            <a:ext cx="367408" cy="523220"/>
+          </a:xfrm>
+          <a:prstGeom prst="rect">
+            <a:avLst/>
+          </a:prstGeom>
+        </p:spPr>
+        <p:txBody>
+          <a:bodyPr wrap="none">
+            <a:spAutoFit/>
+          </a:bodyPr>
+          <a:lstStyle/>
+          <a:p>
+            <a:r>
+              <a:rPr lang="de-DE" sz="2800" b="1" dirty="0">
+                <a:ln/>
+              </a:rPr>
+              <a:t>0</a:t>
+            </a:r>
+          </a:p>
+        </p:txBody>
+      </p:sp>
+    </p:spTree>
+    <p:extLst>
+      <p:ext uri="{BB962C8B-B14F-4D97-AF65-F5344CB8AC3E}">
+        <p14:creationId xmlns:p14="http://schemas.microsoft.com/office/powerpoint/2010/main" val="438767269"/>
+      </p:ext>
+    </p:extLst>
+  </p:cSld>
+  <p:clrMapOvr>
+    <a:masterClrMapping/>
+  </p:clrMapOvr>
+</p:sld>
+</file>
+
+<file path=ppt/slides/slide6.xml><?xml version="1.0" encoding="utf-8"?>
+<p:sld xmlns:a="http://schemas.openxmlformats.org/drawingml/2006/main" xmlns:r="http://schemas.openxmlformats.org/officeDocument/2006/relationships" xmlns:p="http://schemas.openxmlformats.org/presentationml/2006/main">
+  <p:cSld>
+    <p:spTree>
+      <p:nvGrpSpPr>
+        <p:cNvPr id="1" name=""/>
+        <p:cNvGrpSpPr/>
+        <p:nvPr/>
+      </p:nvGrpSpPr>
+      <p:grpSpPr>
+        <a:xfrm>
+          <a:off x="0" y="0"/>
+          <a:ext cx="0" cy="0"/>
+          <a:chOff x="0" y="0"/>
+          <a:chExt cx="0" cy="0"/>
+        </a:xfrm>
+      </p:grpSpPr>
+      <p:pic>
+        <p:nvPicPr>
+          <p:cNvPr id="9" name="Grafik 8" descr="Ein Bild, das Person, Wand, Mann, Schlips enthält.&#10;&#10;Automatisch generierte Beschreibung">
+            <a:extLst>
+              <a:ext uri="{FF2B5EF4-FFF2-40B4-BE49-F238E27FC236}">
+                <a16:creationId xmlns:a16="http://schemas.microsoft.com/office/drawing/2014/main" id="{873289EC-11F5-C34D-9A21-1E1B5C071827}"/>
+              </a:ext>
+            </a:extLst>
+          </p:cNvPr>
+          <p:cNvPicPr>
+            <a:picLocks noChangeAspect="1"/>
+          </p:cNvPicPr>
+          <p:nvPr/>
+        </p:nvPicPr>
+        <p:blipFill rotWithShape="1">
+          <a:blip r:embed="rId2">
+            <a:extLst>
+              <a:ext uri="{BEBA8EAE-BF5A-486C-A8C5-ECC9F3942E4B}">
+                <a14:imgProps xmlns:a14="http://schemas.microsoft.com/office/drawing/2010/main">
+                  <a14:imgLayer r:embed="rId3">
+                    <a14:imgEffect>
+                      <a14:saturation sat="0"/>
+                    </a14:imgEffect>
+                  </a14:imgLayer>
+                </a14:imgProps>
+              </a:ext>
+            </a:extLst>
+          </a:blip>
+          <a:srcRect l="54739" r="16240" b="1"/>
+          <a:stretch/>
+        </p:blipFill>
+        <p:spPr>
+          <a:xfrm>
+            <a:off x="321733" y="321732"/>
+            <a:ext cx="3777025" cy="6214533"/>
+          </a:xfrm>
+          <a:prstGeom prst="rect">
+            <a:avLst/>
+          </a:prstGeom>
+        </p:spPr>
+      </p:pic>
+      <p:pic>
+        <p:nvPicPr>
+          <p:cNvPr id="7" name="Grafik 6" descr="Ein Bild, das Person, Mann, Anzug, stehend enthält.&#10;&#10;Automatisch generierte Beschreibung">
+            <a:extLst>
+              <a:ext uri="{FF2B5EF4-FFF2-40B4-BE49-F238E27FC236}">
+                <a16:creationId xmlns:a16="http://schemas.microsoft.com/office/drawing/2014/main" id="{E686AF8F-977C-FB42-93C7-799CF3CFE235}"/>
+              </a:ext>
+            </a:extLst>
+          </p:cNvPr>
+          <p:cNvPicPr>
+            <a:picLocks noChangeAspect="1"/>
+          </p:cNvPicPr>
+          <p:nvPr/>
+        </p:nvPicPr>
+        <p:blipFill rotWithShape="1">
+          <a:blip r:embed="rId4">
+            <a:extLst>
+              <a:ext uri="{BEBA8EAE-BF5A-486C-A8C5-ECC9F3942E4B}">
+                <a14:imgProps xmlns:a14="http://schemas.microsoft.com/office/drawing/2010/main">
+                  <a14:imgLayer r:embed="rId5">
+                    <a14:imgEffect>
+                      <a14:saturation sat="0"/>
+                    </a14:imgEffect>
+                  </a14:imgLayer>
+                </a14:imgProps>
+              </a:ext>
+            </a:extLst>
+          </a:blip>
+          <a:srcRect l="56813" r="13814" b="1"/>
+          <a:stretch/>
+        </p:blipFill>
+        <p:spPr>
+          <a:xfrm>
+            <a:off x="4184538" y="321732"/>
+            <a:ext cx="3822924" cy="6214533"/>
+          </a:xfrm>
+          <a:prstGeom prst="rect">
+            <a:avLst/>
+          </a:prstGeom>
+        </p:spPr>
+      </p:pic>
+      <p:pic>
+        <p:nvPicPr>
+          <p:cNvPr id="5" name="Grafik 4" descr="Ein Bild, das Mann, Person, Anzug, Schlips enthält.&#10;&#10;Automatisch generierte Beschreibung">
+            <a:extLst>
+              <a:ext uri="{FF2B5EF4-FFF2-40B4-BE49-F238E27FC236}">
+                <a16:creationId xmlns:a16="http://schemas.microsoft.com/office/drawing/2014/main" id="{8BA86C45-E2CB-DC4F-A940-3146F6C6DBBB}"/>
+              </a:ext>
+            </a:extLst>
+          </p:cNvPr>
+          <p:cNvPicPr>
+            <a:picLocks noChangeAspect="1"/>
+          </p:cNvPicPr>
+          <p:nvPr/>
+        </p:nvPicPr>
+        <p:blipFill rotWithShape="1">
+          <a:blip r:embed="rId6">
+            <a:duotone>
+              <a:prstClr val="black"/>
+              <a:schemeClr val="accent2">
+                <a:tint val="45000"/>
+                <a:satMod val="400000"/>
+              </a:schemeClr>
+            </a:duotone>
+          </a:blip>
+          <a:srcRect l="52468" r="18468" b="1"/>
+          <a:stretch/>
+        </p:blipFill>
+        <p:spPr>
+          <a:xfrm>
+            <a:off x="8087672" y="90899"/>
+            <a:ext cx="4006108" cy="6581749"/>
+          </a:xfrm>
+          <a:prstGeom prst="rect">
+            <a:avLst/>
+          </a:prstGeom>
+        </p:spPr>
+      </p:pic>
+      <p:sp>
+        <p:nvSpPr>
+          <p:cNvPr id="2" name="Textfeld 1">
+            <a:extLst>
+              <a:ext uri="{FF2B5EF4-FFF2-40B4-BE49-F238E27FC236}">
+                <a16:creationId xmlns:a16="http://schemas.microsoft.com/office/drawing/2014/main" id="{EEAB5704-EC68-A248-8961-294C17D2ED94}"/>
+              </a:ext>
+            </a:extLst>
+          </p:cNvPr>
+          <p:cNvSpPr txBox="1"/>
+          <p:nvPr/>
+        </p:nvSpPr>
+        <p:spPr>
+          <a:xfrm>
+            <a:off x="10515600" y="161095"/>
+            <a:ext cx="2306138" cy="707886"/>
+          </a:xfrm>
+          <a:prstGeom prst="rect">
+            <a:avLst/>
+          </a:prstGeom>
+          <a:noFill/>
+        </p:spPr>
+        <p:txBody>
+          <a:bodyPr wrap="square" rtlCol="0">
+            <a:spAutoFit/>
+            <a:scene3d>
+              <a:camera prst="orthographicFront"/>
+              <a:lightRig rig="soft" dir="t">
+                <a:rot lat="0" lon="0" rev="15600000"/>
+              </a:lightRig>
+            </a:scene3d>
+            <a:sp3d extrusionH="57150" prstMaterial="softEdge">
+              <a:bevelT w="25400" h="38100"/>
+            </a:sp3d>
+          </a:bodyPr>
+          <a:lstStyle/>
+          <a:p>
+            <a:r>
+              <a:rPr lang="de-DE" sz="4000" b="1" dirty="0">
+                <a:ln/>
+                <a:solidFill>
+                  <a:srgbClr val="FF0000"/>
+                </a:solidFill>
+              </a:rPr>
+              <a:t>1315</a:t>
+            </a:r>
+            <a:endParaRPr lang="de-DE" b="1" dirty="0">
+              <a:ln/>
+              <a:solidFill>
+                <a:srgbClr val="FF0000"/>
+              </a:solidFill>
+            </a:endParaRPr>
+          </a:p>
+        </p:txBody>
+      </p:sp>
+      <p:sp>
+        <p:nvSpPr>
+          <p:cNvPr id="4" name="Rechteck 3">
+            <a:extLst>
+              <a:ext uri="{FF2B5EF4-FFF2-40B4-BE49-F238E27FC236}">
+                <a16:creationId xmlns:a16="http://schemas.microsoft.com/office/drawing/2014/main" id="{E7CC13A5-8D9D-3E48-9FDD-133A6F6677C6}"/>
+              </a:ext>
+            </a:extLst>
+          </p:cNvPr>
+          <p:cNvSpPr/>
+          <p:nvPr/>
+        </p:nvSpPr>
+        <p:spPr>
+          <a:xfrm>
+            <a:off x="7496455" y="345761"/>
+            <a:ext cx="367408" cy="523220"/>
+          </a:xfrm>
+          <a:prstGeom prst="rect">
+            <a:avLst/>
+          </a:prstGeom>
+        </p:spPr>
+        <p:txBody>
+          <a:bodyPr wrap="none">
+            <a:spAutoFit/>
+          </a:bodyPr>
+          <a:lstStyle/>
+          <a:p>
+            <a:r>
+              <a:rPr lang="de-DE" sz="2800" b="1" dirty="0">
+                <a:ln/>
+              </a:rPr>
+              <a:t>0</a:t>
+            </a:r>
+          </a:p>
+        </p:txBody>
+      </p:sp>
+      <p:sp>
+        <p:nvSpPr>
+          <p:cNvPr id="8" name="Rechteck 7">
+            <a:extLst>
+              <a:ext uri="{FF2B5EF4-FFF2-40B4-BE49-F238E27FC236}">
+                <a16:creationId xmlns:a16="http://schemas.microsoft.com/office/drawing/2014/main" id="{F3E5C07E-A849-334F-9190-43C511FA7032}"/>
+              </a:ext>
+            </a:extLst>
+          </p:cNvPr>
+          <p:cNvSpPr/>
+          <p:nvPr/>
+        </p:nvSpPr>
+        <p:spPr>
+          <a:xfrm>
+            <a:off x="3587751" y="345761"/>
+            <a:ext cx="367408" cy="523220"/>
+          </a:xfrm>
+          <a:prstGeom prst="rect">
+            <a:avLst/>
+          </a:prstGeom>
+        </p:spPr>
+        <p:txBody>
+          <a:bodyPr wrap="none">
+            <a:spAutoFit/>
+          </a:bodyPr>
+          <a:lstStyle/>
+          <a:p>
+            <a:r>
+              <a:rPr lang="de-DE" sz="2800" b="1" dirty="0">
+                <a:ln/>
+              </a:rPr>
+              <a:t>0</a:t>
+            </a:r>
+          </a:p>
+        </p:txBody>
+      </p:sp>
+    </p:spTree>
+    <p:extLst>
+      <p:ext uri="{BB962C8B-B14F-4D97-AF65-F5344CB8AC3E}">
+        <p14:creationId xmlns:p14="http://schemas.microsoft.com/office/powerpoint/2010/main" val="595002854"/>
+      </p:ext>
+    </p:extLst>
+  </p:cSld>
+  <p:clrMapOvr>
+    <a:masterClrMapping/>
+  </p:clrMapOvr>
+</p:sld>
+</file>
+
+<file path=ppt/slides/slide7.xml><?xml version="1.0" encoding="utf-8"?>
+<p:sld xmlns:a="http://schemas.openxmlformats.org/drawingml/2006/main" xmlns:r="http://schemas.openxmlformats.org/officeDocument/2006/relationships" xmlns:p="http://schemas.openxmlformats.org/presentationml/2006/main">
+  <p:cSld>
+    <p:spTree>
+      <p:nvGrpSpPr>
+        <p:cNvPr id="1" name=""/>
+        <p:cNvGrpSpPr/>
+        <p:nvPr/>
+      </p:nvGrpSpPr>
+      <p:grpSpPr>
+        <a:xfrm>
+          <a:off x="0" y="0"/>
+          <a:ext cx="0" cy="0"/>
+          <a:chOff x="0" y="0"/>
+          <a:chExt cx="0" cy="0"/>
+        </a:xfrm>
+      </p:grpSpPr>
+      <p:pic>
+        <p:nvPicPr>
+          <p:cNvPr id="9" name="Grafik 8" descr="Ein Bild, das Person, Wand, Mann, Schlips enthält.&#10;&#10;Automatisch generierte Beschreibung">
+            <a:extLst>
+              <a:ext uri="{FF2B5EF4-FFF2-40B4-BE49-F238E27FC236}">
+                <a16:creationId xmlns:a16="http://schemas.microsoft.com/office/drawing/2014/main" id="{873289EC-11F5-C34D-9A21-1E1B5C071827}"/>
+              </a:ext>
+            </a:extLst>
+          </p:cNvPr>
+          <p:cNvPicPr>
+            <a:picLocks noChangeAspect="1"/>
+          </p:cNvPicPr>
+          <p:nvPr/>
+        </p:nvPicPr>
+        <p:blipFill rotWithShape="1">
+          <a:blip r:embed="rId2">
+            <a:extLst>
+              <a:ext uri="{BEBA8EAE-BF5A-486C-A8C5-ECC9F3942E4B}">
+                <a14:imgProps xmlns:a14="http://schemas.microsoft.com/office/drawing/2010/main">
+                  <a14:imgLayer r:embed="rId3">
+                    <a14:imgEffect>
+                      <a14:saturation sat="0"/>
+                    </a14:imgEffect>
+                  </a14:imgLayer>
+                </a14:imgProps>
+              </a:ext>
+            </a:extLst>
+          </a:blip>
+          <a:srcRect l="54739" r="16240" b="1"/>
+          <a:stretch/>
+        </p:blipFill>
+        <p:spPr>
+          <a:xfrm>
+            <a:off x="321733" y="321732"/>
+            <a:ext cx="3777025" cy="6214533"/>
+          </a:xfrm>
+          <a:prstGeom prst="rect">
+            <a:avLst/>
+          </a:prstGeom>
+        </p:spPr>
+      </p:pic>
+      <p:pic>
+        <p:nvPicPr>
+          <p:cNvPr id="5" name="Grafik 4" descr="Ein Bild, das Mann, Person, Anzug, Schlips enthält.&#10;&#10;Automatisch generierte Beschreibung">
+            <a:extLst>
+              <a:ext uri="{FF2B5EF4-FFF2-40B4-BE49-F238E27FC236}">
+                <a16:creationId xmlns:a16="http://schemas.microsoft.com/office/drawing/2014/main" id="{8BA86C45-E2CB-DC4F-A940-3146F6C6DBBB}"/>
+              </a:ext>
+            </a:extLst>
+          </p:cNvPr>
+          <p:cNvPicPr>
+            <a:picLocks noChangeAspect="1"/>
+          </p:cNvPicPr>
+          <p:nvPr/>
+        </p:nvPicPr>
+        <p:blipFill rotWithShape="1">
+          <a:blip r:embed="rId4">
+            <a:extLst>
+              <a:ext uri="{BEBA8EAE-BF5A-486C-A8C5-ECC9F3942E4B}">
+                <a14:imgProps xmlns:a14="http://schemas.microsoft.com/office/drawing/2010/main">
+                  <a14:imgLayer r:embed="rId5">
+                    <a14:imgEffect>
+                      <a14:saturation sat="0"/>
+                    </a14:imgEffect>
+                  </a14:imgLayer>
+                </a14:imgProps>
+              </a:ext>
+            </a:extLst>
+          </a:blip>
+          <a:srcRect l="52468" r="18468" b="1"/>
+          <a:stretch/>
+        </p:blipFill>
+        <p:spPr>
+          <a:xfrm>
+            <a:off x="8248313" y="321732"/>
+            <a:ext cx="3782596" cy="6214534"/>
+          </a:xfrm>
+          <a:prstGeom prst="rect">
+            <a:avLst/>
+          </a:prstGeom>
+        </p:spPr>
+      </p:pic>
+      <p:sp>
+        <p:nvSpPr>
+          <p:cNvPr id="2" name="Textfeld 1">
+            <a:extLst>
+              <a:ext uri="{FF2B5EF4-FFF2-40B4-BE49-F238E27FC236}">
+                <a16:creationId xmlns:a16="http://schemas.microsoft.com/office/drawing/2014/main" id="{EEAB5704-EC68-A248-8961-294C17D2ED94}"/>
+              </a:ext>
+            </a:extLst>
+          </p:cNvPr>
+          <p:cNvSpPr txBox="1"/>
+          <p:nvPr/>
+        </p:nvSpPr>
+        <p:spPr>
+          <a:xfrm>
+            <a:off x="11038931" y="345761"/>
+            <a:ext cx="2306138" cy="523220"/>
+          </a:xfrm>
+          <a:prstGeom prst="rect">
+            <a:avLst/>
+          </a:prstGeom>
+          <a:noFill/>
+        </p:spPr>
+        <p:txBody>
+          <a:bodyPr wrap="square" rtlCol="0">
+            <a:spAutoFit/>
+            <a:scene3d>
+              <a:camera prst="orthographicFront"/>
+              <a:lightRig rig="soft" dir="t">
+                <a:rot lat="0" lon="0" rev="15600000"/>
+              </a:lightRig>
+            </a:scene3d>
+            <a:sp3d extrusionH="57150" prstMaterial="softEdge">
+              <a:bevelT w="25400" h="38100"/>
+            </a:sp3d>
+          </a:bodyPr>
+          <a:lstStyle/>
+          <a:p>
+            <a:r>
+              <a:rPr lang="de-DE" sz="2800" b="1" dirty="0">
+                <a:ln/>
+              </a:rPr>
+              <a:t>1315</a:t>
+            </a:r>
+            <a:endParaRPr lang="de-DE" b="1" dirty="0">
+              <a:ln/>
+            </a:endParaRPr>
+          </a:p>
+        </p:txBody>
+      </p:sp>
+      <p:sp>
+        <p:nvSpPr>
+          <p:cNvPr id="4" name="Rechteck 3">
+            <a:extLst>
+              <a:ext uri="{FF2B5EF4-FFF2-40B4-BE49-F238E27FC236}">
+                <a16:creationId xmlns:a16="http://schemas.microsoft.com/office/drawing/2014/main" id="{E7CC13A5-8D9D-3E48-9FDD-133A6F6677C6}"/>
+              </a:ext>
+            </a:extLst>
+          </p:cNvPr>
+          <p:cNvSpPr/>
+          <p:nvPr/>
+        </p:nvSpPr>
+        <p:spPr>
+          <a:xfrm>
+            <a:off x="7496455" y="345761"/>
+            <a:ext cx="367408" cy="523220"/>
+          </a:xfrm>
+          <a:prstGeom prst="rect">
+            <a:avLst/>
+          </a:prstGeom>
+        </p:spPr>
+        <p:txBody>
+          <a:bodyPr wrap="none">
+            <a:spAutoFit/>
+          </a:bodyPr>
+          <a:lstStyle/>
+          <a:p>
+            <a:r>
+              <a:rPr lang="de-DE" sz="2800" b="1" dirty="0">
+                <a:ln/>
+              </a:rPr>
+              <a:t>0</a:t>
+            </a:r>
+          </a:p>
+        </p:txBody>
+      </p:sp>
+      <p:sp>
+        <p:nvSpPr>
+          <p:cNvPr id="8" name="Rechteck 7">
+            <a:extLst>
+              <a:ext uri="{FF2B5EF4-FFF2-40B4-BE49-F238E27FC236}">
+                <a16:creationId xmlns:a16="http://schemas.microsoft.com/office/drawing/2014/main" id="{F3E5C07E-A849-334F-9190-43C511FA7032}"/>
+              </a:ext>
+            </a:extLst>
+          </p:cNvPr>
+          <p:cNvSpPr/>
+          <p:nvPr/>
+        </p:nvSpPr>
+        <p:spPr>
+          <a:xfrm>
+            <a:off x="3587751" y="345761"/>
+            <a:ext cx="367408" cy="523220"/>
+          </a:xfrm>
+          <a:prstGeom prst="rect">
+            <a:avLst/>
+          </a:prstGeom>
+        </p:spPr>
+        <p:txBody>
+          <a:bodyPr wrap="none">
+            <a:spAutoFit/>
+          </a:bodyPr>
+          <a:lstStyle/>
+          <a:p>
+            <a:r>
+              <a:rPr lang="de-DE" sz="2800" b="1" dirty="0">
+                <a:ln/>
+              </a:rPr>
+              <a:t>0</a:t>
+            </a:r>
+          </a:p>
+        </p:txBody>
+      </p:sp>
+      <p:pic>
+        <p:nvPicPr>
+          <p:cNvPr id="10" name="Grafik 9" descr="Ein Bild, das Person, Mann, Anzug, stehend enthält.&#10;&#10;Automatisch generierte Beschreibung">
+            <a:extLst>
+              <a:ext uri="{FF2B5EF4-FFF2-40B4-BE49-F238E27FC236}">
+                <a16:creationId xmlns:a16="http://schemas.microsoft.com/office/drawing/2014/main" id="{FF6978C2-786F-EE4C-B0B6-2C5588C0710F}"/>
+              </a:ext>
+            </a:extLst>
+          </p:cNvPr>
+          <p:cNvPicPr>
+            <a:picLocks noChangeAspect="1"/>
+          </p:cNvPicPr>
+          <p:nvPr/>
+        </p:nvPicPr>
+        <p:blipFill rotWithShape="1">
+          <a:blip r:embed="rId6">
+            <a:extLst>
+              <a:ext uri="{BEBA8EAE-BF5A-486C-A8C5-ECC9F3942E4B}">
+                <a14:imgProps xmlns:a14="http://schemas.microsoft.com/office/drawing/2010/main">
+                  <a14:imgLayer r:embed="rId7">
+                    <a14:imgEffect>
+                      <a14:saturation sat="300000"/>
+                    </a14:imgEffect>
+                  </a14:imgLayer>
+                </a14:imgProps>
+              </a:ext>
+            </a:extLst>
+          </a:blip>
+          <a:srcRect l="56813" r="13814" b="1"/>
+          <a:stretch/>
+        </p:blipFill>
+        <p:spPr>
+          <a:xfrm>
+            <a:off x="4184538" y="163639"/>
+            <a:ext cx="3988870" cy="6484295"/>
+          </a:xfrm>
+          <a:prstGeom prst="rect">
+            <a:avLst/>
+          </a:prstGeom>
+        </p:spPr>
+      </p:pic>
+      <p:sp>
+        <p:nvSpPr>
+          <p:cNvPr id="11" name="Textfeld 10">
+            <a:extLst>
+              <a:ext uri="{FF2B5EF4-FFF2-40B4-BE49-F238E27FC236}">
+                <a16:creationId xmlns:a16="http://schemas.microsoft.com/office/drawing/2014/main" id="{2528C879-D95A-894B-B417-43932A19D661}"/>
+              </a:ext>
+            </a:extLst>
+          </p:cNvPr>
+          <p:cNvSpPr txBox="1"/>
+          <p:nvPr/>
+        </p:nvSpPr>
+        <p:spPr>
+          <a:xfrm>
+            <a:off x="7142464" y="163639"/>
+            <a:ext cx="1902942" cy="707886"/>
+          </a:xfrm>
+          <a:prstGeom prst="rect">
+            <a:avLst/>
+          </a:prstGeom>
+          <a:noFill/>
+        </p:spPr>
+        <p:txBody>
+          <a:bodyPr wrap="square" rtlCol="0">
+            <a:spAutoFit/>
+            <a:scene3d>
+              <a:camera prst="orthographicFront"/>
+              <a:lightRig rig="soft" dir="t">
+                <a:rot lat="0" lon="0" rev="15600000"/>
+              </a:lightRig>
+            </a:scene3d>
+            <a:sp3d extrusionH="57150" prstMaterial="softEdge">
+              <a:bevelT w="25400" h="38100"/>
+            </a:sp3d>
+          </a:bodyPr>
+          <a:lstStyle/>
+          <a:p>
+            <a:r>
+              <a:rPr lang="de-DE" sz="4000" b="1" dirty="0">
+                <a:ln/>
+                <a:solidFill>
+                  <a:schemeClr val="accent4"/>
+                </a:solidFill>
+              </a:rPr>
+              <a:t>102</a:t>
+            </a:r>
+            <a:endParaRPr lang="de-DE" b="1" dirty="0">
+              <a:ln/>
+              <a:solidFill>
+                <a:schemeClr val="accent4"/>
+              </a:solidFill>
+            </a:endParaRPr>
+          </a:p>
+        </p:txBody>
+      </p:sp>
+    </p:spTree>
+    <p:extLst>
+      <p:ext uri="{BB962C8B-B14F-4D97-AF65-F5344CB8AC3E}">
+        <p14:creationId xmlns:p14="http://schemas.microsoft.com/office/powerpoint/2010/main" val="1317306471"/>
+      </p:ext>
+    </p:extLst>
+  </p:cSld>
+  <p:clrMapOvr>
+    <a:masterClrMapping/>
+  </p:clrMapOvr>
+</p:sld>
+</file>
+
+<file path=ppt/slides/slide8.xml><?xml version="1.0" encoding="utf-8"?>
+<p:sld xmlns:a="http://schemas.openxmlformats.org/drawingml/2006/main" xmlns:r="http://schemas.openxmlformats.org/officeDocument/2006/relationships" xmlns:p="http://schemas.openxmlformats.org/presentationml/2006/main">
+  <p:cSld>
+    <p:spTree>
+      <p:nvGrpSpPr>
+        <p:cNvPr id="1" name=""/>
+        <p:cNvGrpSpPr/>
+        <p:nvPr/>
+      </p:nvGrpSpPr>
+      <p:grpSpPr>
+        <a:xfrm>
+          <a:off x="0" y="0"/>
+          <a:ext cx="0" cy="0"/>
+          <a:chOff x="0" y="0"/>
+          <a:chExt cx="0" cy="0"/>
+        </a:xfrm>
+      </p:grpSpPr>
+      <p:pic>
+        <p:nvPicPr>
+          <p:cNvPr id="12" name="Grafik 11" descr="Ein Bild, das Person, Mann, Anzug, stehend enthält.&#10;&#10;Automatisch generierte Beschreibung">
+            <a:extLst>
+              <a:ext uri="{FF2B5EF4-FFF2-40B4-BE49-F238E27FC236}">
+                <a16:creationId xmlns:a16="http://schemas.microsoft.com/office/drawing/2014/main" id="{D2DE667A-7CC5-1841-AF94-76E448257319}"/>
+              </a:ext>
+            </a:extLst>
+          </p:cNvPr>
+          <p:cNvPicPr>
+            <a:picLocks noChangeAspect="1"/>
+          </p:cNvPicPr>
+          <p:nvPr/>
+        </p:nvPicPr>
+        <p:blipFill rotWithShape="1">
+          <a:blip r:embed="rId2">
+            <a:extLst>
+              <a:ext uri="{BEBA8EAE-BF5A-486C-A8C5-ECC9F3942E4B}">
+                <a14:imgProps xmlns:a14="http://schemas.microsoft.com/office/drawing/2010/main">
+                  <a14:imgLayer r:embed="rId3">
+                    <a14:imgEffect>
+                      <a14:saturation sat="0"/>
+                    </a14:imgEffect>
+                  </a14:imgLayer>
+                </a14:imgProps>
+              </a:ext>
+            </a:extLst>
+          </a:blip>
+          <a:srcRect l="56813" r="13814" b="1"/>
+          <a:stretch/>
+        </p:blipFill>
+        <p:spPr>
+          <a:xfrm>
+            <a:off x="4270579" y="321732"/>
+            <a:ext cx="3822924" cy="6214533"/>
+          </a:xfrm>
+          <a:prstGeom prst="rect">
+            <a:avLst/>
+          </a:prstGeom>
+        </p:spPr>
+      </p:pic>
+      <p:pic>
+        <p:nvPicPr>
+          <p:cNvPr id="9" name="Grafik 8" descr="Ein Bild, das Person, Wand, Mann, Schlips enthält.&#10;&#10;Automatisch generierte Beschreibung">
+            <a:extLst>
+              <a:ext uri="{FF2B5EF4-FFF2-40B4-BE49-F238E27FC236}">
+                <a16:creationId xmlns:a16="http://schemas.microsoft.com/office/drawing/2014/main" id="{873289EC-11F5-C34D-9A21-1E1B5C071827}"/>
+              </a:ext>
+            </a:extLst>
+          </p:cNvPr>
+          <p:cNvPicPr>
+            <a:picLocks noChangeAspect="1"/>
+          </p:cNvPicPr>
+          <p:nvPr/>
+        </p:nvPicPr>
+        <p:blipFill rotWithShape="1">
+          <a:blip r:embed="rId4">
+            <a:duotone>
+              <a:prstClr val="black"/>
+              <a:schemeClr val="accent6">
+                <a:tint val="45000"/>
+                <a:satMod val="400000"/>
+              </a:schemeClr>
+            </a:duotone>
+            <a:extLst>
+              <a:ext uri="{BEBA8EAE-BF5A-486C-A8C5-ECC9F3942E4B}">
+                <a14:imgProps xmlns:a14="http://schemas.microsoft.com/office/drawing/2010/main">
+                  <a14:imgLayer r:embed="rId5">
+                    <a14:imgEffect>
+                      <a14:saturation sat="0"/>
+                    </a14:imgEffect>
+                  </a14:imgLayer>
+                </a14:imgProps>
+              </a:ext>
+            </a:extLst>
+          </a:blip>
+          <a:srcRect l="54739" r="16240" b="1"/>
+          <a:stretch/>
+        </p:blipFill>
+        <p:spPr>
+          <a:xfrm>
+            <a:off x="161091" y="246212"/>
+            <a:ext cx="3937668" cy="6478847"/>
+          </a:xfrm>
+          <a:prstGeom prst="rect">
+            <a:avLst/>
+          </a:prstGeom>
+        </p:spPr>
+      </p:pic>
+      <p:pic>
+        <p:nvPicPr>
+          <p:cNvPr id="5" name="Grafik 4" descr="Ein Bild, das Mann, Person, Anzug, Schlips enthält.&#10;&#10;Automatisch generierte Beschreibung">
+            <a:extLst>
+              <a:ext uri="{FF2B5EF4-FFF2-40B4-BE49-F238E27FC236}">
+                <a16:creationId xmlns:a16="http://schemas.microsoft.com/office/drawing/2014/main" id="{8BA86C45-E2CB-DC4F-A940-3146F6C6DBBB}"/>
+              </a:ext>
+            </a:extLst>
+          </p:cNvPr>
+          <p:cNvPicPr>
+            <a:picLocks noChangeAspect="1"/>
+          </p:cNvPicPr>
+          <p:nvPr/>
+        </p:nvPicPr>
+        <p:blipFill rotWithShape="1">
+          <a:blip r:embed="rId6">
+            <a:extLst>
+              <a:ext uri="{BEBA8EAE-BF5A-486C-A8C5-ECC9F3942E4B}">
+                <a14:imgProps xmlns:a14="http://schemas.microsoft.com/office/drawing/2010/main">
+                  <a14:imgLayer r:embed="rId7">
+                    <a14:imgEffect>
+                      <a14:saturation sat="0"/>
+                    </a14:imgEffect>
+                  </a14:imgLayer>
+                </a14:imgProps>
+              </a:ext>
+            </a:extLst>
+          </a:blip>
+          <a:srcRect l="52468" r="18468" b="1"/>
+          <a:stretch/>
+        </p:blipFill>
+        <p:spPr>
+          <a:xfrm>
+            <a:off x="8248313" y="321732"/>
+            <a:ext cx="3782596" cy="6214534"/>
+          </a:xfrm>
+          <a:prstGeom prst="rect">
+            <a:avLst/>
+          </a:prstGeom>
+        </p:spPr>
+      </p:pic>
+      <p:sp>
+        <p:nvSpPr>
+          <p:cNvPr id="2" name="Textfeld 1">
+            <a:extLst>
+              <a:ext uri="{FF2B5EF4-FFF2-40B4-BE49-F238E27FC236}">
+                <a16:creationId xmlns:a16="http://schemas.microsoft.com/office/drawing/2014/main" id="{EEAB5704-EC68-A248-8961-294C17D2ED94}"/>
+              </a:ext>
+            </a:extLst>
+          </p:cNvPr>
+          <p:cNvSpPr txBox="1"/>
+          <p:nvPr/>
+        </p:nvSpPr>
+        <p:spPr>
+          <a:xfrm>
+            <a:off x="11038931" y="345761"/>
+            <a:ext cx="2306138" cy="523220"/>
+          </a:xfrm>
+          <a:prstGeom prst="rect">
+            <a:avLst/>
+          </a:prstGeom>
+          <a:noFill/>
+        </p:spPr>
+        <p:txBody>
+          <a:bodyPr wrap="square" rtlCol="0">
+            <a:spAutoFit/>
+            <a:scene3d>
+              <a:camera prst="orthographicFront"/>
+              <a:lightRig rig="soft" dir="t">
+                <a:rot lat="0" lon="0" rev="15600000"/>
+              </a:lightRig>
+            </a:scene3d>
+            <a:sp3d extrusionH="57150" prstMaterial="softEdge">
+              <a:bevelT w="25400" h="38100"/>
+            </a:sp3d>
+          </a:bodyPr>
+          <a:lstStyle/>
+          <a:p>
+            <a:r>
+              <a:rPr lang="de-DE" sz="2800" b="1" dirty="0">
+                <a:ln/>
+              </a:rPr>
+              <a:t>1315</a:t>
+            </a:r>
+            <a:endParaRPr lang="de-DE" b="1" dirty="0">
+              <a:ln/>
+            </a:endParaRPr>
+          </a:p>
+        </p:txBody>
+      </p:sp>
+      <p:sp>
+        <p:nvSpPr>
+          <p:cNvPr id="4" name="Rechteck 3">
+            <a:extLst>
+              <a:ext uri="{FF2B5EF4-FFF2-40B4-BE49-F238E27FC236}">
+                <a16:creationId xmlns:a16="http://schemas.microsoft.com/office/drawing/2014/main" id="{E7CC13A5-8D9D-3E48-9FDD-133A6F6677C6}"/>
+              </a:ext>
+            </a:extLst>
+          </p:cNvPr>
+          <p:cNvSpPr/>
+          <p:nvPr/>
+        </p:nvSpPr>
+        <p:spPr>
+          <a:xfrm>
+            <a:off x="7221177" y="345761"/>
+            <a:ext cx="732893" cy="523220"/>
+          </a:xfrm>
+          <a:prstGeom prst="rect">
+            <a:avLst/>
+          </a:prstGeom>
+        </p:spPr>
+        <p:txBody>
+          <a:bodyPr wrap="none">
+            <a:spAutoFit/>
+          </a:bodyPr>
+          <a:lstStyle/>
+          <a:p>
+            <a:r>
+              <a:rPr lang="de-DE" sz="2800" b="1" dirty="0">
+                <a:ln/>
+              </a:rPr>
+              <a:t>102</a:t>
+            </a:r>
+          </a:p>
+        </p:txBody>
+      </p:sp>
+      <p:sp>
+        <p:nvSpPr>
+          <p:cNvPr id="8" name="Rechteck 7">
+            <a:extLst>
+              <a:ext uri="{FF2B5EF4-FFF2-40B4-BE49-F238E27FC236}">
+                <a16:creationId xmlns:a16="http://schemas.microsoft.com/office/drawing/2014/main" id="{F3E5C07E-A849-334F-9190-43C511FA7032}"/>
+              </a:ext>
+            </a:extLst>
+          </p:cNvPr>
+          <p:cNvSpPr/>
+          <p:nvPr/>
+        </p:nvSpPr>
+        <p:spPr>
+          <a:xfrm>
+            <a:off x="2351165" y="191872"/>
+            <a:ext cx="1747594" cy="830997"/>
+          </a:xfrm>
+          <a:prstGeom prst="rect">
+            <a:avLst/>
+          </a:prstGeom>
+        </p:spPr>
+        <p:txBody>
+          <a:bodyPr wrap="none">
+            <a:spAutoFit/>
+            <a:scene3d>
+              <a:camera prst="orthographicFront"/>
+              <a:lightRig rig="soft" dir="t">
+                <a:rot lat="0" lon="0" rev="15600000"/>
+              </a:lightRig>
+            </a:scene3d>
+            <a:sp3d extrusionH="57150" prstMaterial="softEdge">
+              <a:bevelT w="25400" h="38100"/>
+            </a:sp3d>
+          </a:bodyPr>
+          <a:lstStyle/>
+          <a:p>
+            <a:r>
+              <a:rPr lang="de-DE" sz="4800" b="1" dirty="0">
+                <a:ln/>
+                <a:solidFill>
+                  <a:srgbClr val="7030A0"/>
+                </a:solidFill>
+              </a:rPr>
+              <a:t>20231</a:t>
+            </a:r>
+          </a:p>
+        </p:txBody>
+      </p:sp>
+    </p:spTree>
+    <p:extLst>
+      <p:ext uri="{BB962C8B-B14F-4D97-AF65-F5344CB8AC3E}">
+        <p14:creationId xmlns:p14="http://schemas.microsoft.com/office/powerpoint/2010/main" val="2458264994"/>
       </p:ext>
     </p:extLst>
   </p:cSld>
